--- a/assets/slides/generated_slides.pptx
+++ b/assets/slides/generated_slides.pptx
@@ -3143,7 +3143,7 @@
             <a:pPr algn="ctr"/>
             <a:r>
               <a:rPr sz="3200" b="1"/>
-              <a:t>🚀 Journey to Exoplanets: Unveiling Alien Worlds!</a:t>
+              <a:t>🌌 Journey to Exoplanets: Unveiling Cosmic Worlds with NASA Data 🚀</a:t>
             </a:r>
           </a:p>
         </p:txBody>
@@ -3187,7 +3187,7 @@
                   <a:srgbClr val="000000"/>
                 </a:solidFill>
               </a:rPr>
-              <a:t>🌌 Beyond Our Solar System: What Are Exoplanets?</a:t>
+              <a:t>⭐ What are Exoplanets &amp; Why Study Them?</a:t>
             </a:r>
           </a:p>
         </p:txBody>
@@ -3211,7 +3211,7 @@
               <a:defRPr sz="1800"/>
             </a:pPr>
             <a:r>
-              <a:t>⭐ Exoplanets are planets orbiting stars far, far away – not our Sun!</a:t>
+              <a:t>✅ Imagine planets beyond our wildest dreams, orbiting distant stars! Those are exoplanets. 🌌</a:t>
             </a:r>
           </a:p>
           <a:p>
@@ -3219,7 +3219,7 @@
               <a:defRPr sz="1800"/>
             </a:pPr>
             <a:r>
-              <a:t>✅ Imagine entire new worlds, some perhaps like Earth, others totally alien!</a:t>
+              <a:t>🚀 We study them to unlock secrets of how planets form, evolve, and whether life exists elsewhere in the universe. Are we alone? 🤔</a:t>
             </a:r>
           </a:p>
           <a:p>
@@ -3227,15 +3227,7 @@
               <a:defRPr sz="1800"/>
             </a:pPr>
             <a:r>
-              <a:t>🚀 Why are we so curious? We're searching for answers: Are we alone? Is there life out there?</a:t>
-            </a:r>
-          </a:p>
-          <a:p>
-            <a:pPr>
-              <a:defRPr sz="1800"/>
-            </a:pPr>
-            <a:r>
-              <a:t>🌌 This quest is called Astrobiology – the study of life in the universe!</a:t>
+              <a:t>⭐ NASA's incredible missions like Kepler, TESS, and Hubble are our eyes in the sky, finding and studying these amazing worlds!</a:t>
             </a:r>
           </a:p>
         </p:txBody>
@@ -3279,7 +3271,7 @@
                   <a:srgbClr val="000000"/>
                 </a:solidFill>
               </a:rPr>
-              <a:t>🔭 How Do We Find These Hidden Worlds?</a:t>
+              <a:t>🔭 How Do We Find These Worlds?</a:t>
             </a:r>
           </a:p>
         </p:txBody>
@@ -3303,7 +3295,7 @@
               <a:defRPr sz="1800"/>
             </a:pPr>
             <a:r>
-              <a:t>⭐ Exoplanets are tiny and far away, so we need clever tricks to spot them!</a:t>
+              <a:t>🌌 It's like finding a tiny firefly next to a giant spotlight! Exoplanets are hard to see directly.</a:t>
             </a:r>
           </a:p>
           <a:p>
@@ -3311,7 +3303,7 @@
               <a:defRPr sz="1800"/>
             </a:pPr>
             <a:r>
-              <a:t>✅ One way is the 'Transit Method': We watch for a tiny dip in a star's brightness when a planet passes in front of it.</a:t>
+              <a:t>✅ **The Transit Method:** We watch for a tiny dip in a star's brightness as a planet passes in front of it. Like a mini-eclipse! 🌟</a:t>
             </a:r>
           </a:p>
           <a:p>
@@ -3319,7 +3311,7 @@
               <a:defRPr sz="1800"/>
             </a:pPr>
             <a:r>
-              <a:t>🚀 Think of a firefly dimming slightly when a tiny bug flies past it!</a:t>
+              <a:t>🚀 **The Radial Velocity Method:** We look for a star's wobble! A planet's gravity tugs on its star, making it jiggle slightly. 🕺</a:t>
             </a:r>
           </a:p>
           <a:p>
@@ -3327,7 +3319,7 @@
               <a:defRPr sz="1800"/>
             </a:pPr>
             <a:r>
-              <a:t>🌌 Space telescopes like Kepler and TESS are our amazing planet-hunting eyes in the sky!</a:t>
+              <a:t>⭐ These clever techniques help us discover thousands of hidden worlds!</a:t>
             </a:r>
           </a:p>
         </p:txBody>
@@ -3371,7 +3363,7 @@
                   <a:srgbClr val="000000"/>
                 </a:solidFill>
               </a:rPr>
-              <a:t>⭐ NASA's Cosmic Library: The Exoplanet Archive!</a:t>
+              <a:t>🚀 Navigating the NASA Exoplanet Archive</a:t>
             </a:r>
           </a:p>
         </p:txBody>
@@ -3395,7 +3387,7 @@
               <a:defRPr sz="1800"/>
             </a:pPr>
             <a:r>
-              <a:t>✅ The NASA Exoplanet Archive is your go-to place for all things exoplanet! It's a huge online database. [1]</a:t>
+              <a:t>✅ Ready to become a cosmic detective? The NASA Exoplanet Archive is your ultimate toolkit! 🛠️</a:t>
             </a:r>
           </a:p>
           <a:p>
@@ -3403,7 +3395,7 @@
               <a:defRPr sz="1800"/>
             </a:pPr>
             <a:r>
-              <a:t>🚀 It collects discoveries from telescopes worldwide, a true treasure chest of information!</a:t>
+              <a:t>⭐ It's the official home for all confirmed exoplanets and exciting new candidates, maintained by Caltech's IPAC.</a:t>
             </a:r>
           </a:p>
           <a:p>
@@ -3411,15 +3403,7 @@
               <a:defRPr sz="1800"/>
             </a:pPr>
             <a:r>
-              <a:t>🌌 What secrets does it hold? Planet size, mass, how far they orbit their star, and even hints about their atmospheres!</a:t>
-            </a:r>
-          </a:p>
-          <a:p>
-            <a:pPr>
-              <a:defRPr sz="1800"/>
-            </a:pPr>
-            <a:r>
-              <a:t>⭐ This data helps us find planets that could potentially support life!</a:t>
+              <a:t>🌌 Dive in! Use its awesome search and visualization tools to explore thousands of alien worlds with just a few clicks. [https://exoplanetarchive.ipac.caltech.edu/docs/intro.html]</a:t>
             </a:r>
           </a:p>
         </p:txBody>
@@ -3463,7 +3447,7 @@
                   <a:srgbClr val="000000"/>
                 </a:solidFill>
               </a:rPr>
-              <a:t>🚀 Your First Mission: Exploring Exoplanet Data!</a:t>
+              <a:t>✅ Unpacking Exoplanet Datasets: What's Inside?</a:t>
             </a:r>
           </a:p>
         </p:txBody>
@@ -3487,7 +3471,7 @@
               <a:defRPr sz="1800"/>
             </a:pPr>
             <a:r>
-              <a:t>✅ Ready to be a space detective? Let's peek at a real dataset, like the K2 Planet and Candidate Data Table! [2]</a:t>
+              <a:t>🚀 What can we learn from the data? Everything! Discover a planet's size, weight, how long its year is, and even its star's temperature. 🌡️</a:t>
             </a:r>
           </a:p>
           <a:p>
@@ -3495,7 +3479,7 @@
               <a:defRPr sz="1800"/>
             </a:pPr>
             <a:r>
-              <a:t>⭐ Key clues: 'Planet Radius' (how big is it?) and 'Equilibrium Temperature' (is it too hot, too cold, or just right?).</a:t>
+              <a:t>⭐ Explore data from missions like K2, Kepler's amazing follow-up, to find planets that 'transit' (pass in front of) their stars. [https://exoplanetarchive.ipac.caltech.edu/cgi-bin/TblView/nph-tblView?app=ExoTbls&amp;config=k2pandc]</a:t>
             </a:r>
           </a:p>
           <a:p>
@@ -3503,15 +3487,7 @@
               <a:defRPr sz="1800"/>
             </a:pPr>
             <a:r>
-              <a:t>🌌 The holy grail: Atmospheres! If a planet transits its star, we can sometimes study its atmosphere to see what gases are there.</a:t>
-            </a:r>
-          </a:p>
-          <a:p>
-            <a:pPr>
-              <a:defRPr sz="1800"/>
-            </a:pPr>
-            <a:r>
-              <a:t>🚀 What if we find a planet with Earth-like size, comfy temperature, AND interesting atmospheric gases? That's the dream!</a:t>
+              <a:t>🌌 You'll encounter 'light curves' (star brightness changes), 'radial velocity' graphs (star wobbles), and even direct images of some exoplanets! [https://exoplanetarchive.ipac.caltech.edu/docs/data.html]</a:t>
             </a:r>
           </a:p>
         </p:txBody>
@@ -3555,7 +3531,7 @@
                   <a:srgbClr val="000000"/>
                 </a:solidFill>
               </a:rPr>
-              <a:t>🌍 The Search for Life: Why Atmospheres Matter!</a:t>
+              <a:t>🔬 Becoming an Exoplanet Explorer: Your Journey Starts Now!</a:t>
             </a:r>
           </a:p>
         </p:txBody>
@@ -3579,7 +3555,7 @@
               <a:defRPr sz="1800"/>
             </a:pPr>
             <a:r>
-              <a:t>⭐ An atmosphere is like a planet's protective blanket and its fingerprint!</a:t>
+              <a:t>⭐ The universe is waiting for you to explore! With NASA's data, you can make real discoveries.</a:t>
             </a:r>
           </a:p>
           <a:p>
@@ -3587,7 +3563,7 @@
               <a:defRPr sz="1800"/>
             </a:pPr>
             <a:r>
-              <a:t>✅ It shields the surface from harsh space radiation and helps regulate temperature.</a:t>
+              <a:t>✅ Start by picking an exoplanet that fascinates you and dig into its data in the Archive.</a:t>
             </a:r>
           </a:p>
           <a:p>
@@ -3595,7 +3571,7 @@
               <a:defRPr sz="1800"/>
             </a:pPr>
             <a:r>
-              <a:t>🚀 But even cooler: the gases in an atmosphere can tell us if life might exist there!</a:t>
+              <a:t>🚀 Look for patterns, compare different worlds, and imagine what it would be like to live there!</a:t>
             </a:r>
           </a:p>
           <a:p>
@@ -3603,7 +3579,7 @@
               <a:defRPr sz="1800"/>
             </a:pPr>
             <a:r>
-              <a:t>🌌 Scientists look for 'biosignatures' – gases like oxygen or methane that could be produced by living things!</a:t>
+              <a:t>🌌 Who knows, you might be the one to find the next Earth-like world! Keep exploring! ✨</a:t>
             </a:r>
           </a:p>
         </p:txBody>
@@ -3671,7 +3647,7 @@
               <a:defRPr sz="1800"/>
             </a:pPr>
             <a:r>
-              <a:t>🌌 NASA Exoplanet Archive Overview: https://exoplanetarchive.ipac.caltech.edu/docs/intro.html [1]</a:t>
+              <a:t>NASA Exoplanet Archive: K2 Planet and Candidate Data: https://exoplanetarchive.ipac.caltech.edu/cgi-bin/TblView/nph-tblView?app=ExoTbls&amp;config=k2pandc</a:t>
             </a:r>
           </a:p>
           <a:p>
@@ -3679,7 +3655,7 @@
               <a:defRPr sz="1800"/>
             </a:pPr>
             <a:r>
-              <a:t>🚀 K2 Planet and Candidate Data Table: https://exoplanetarchive.ipac.caltech.edu/cgi-bin/TblView/nph-tblView?app=ExoTbls&amp;config=k2pandc [2]</a:t>
+              <a:t>NASA Exoplanet Archive: Introduction: https://exoplanetarchive.ipac.caltech.edu/docs/intro.html</a:t>
             </a:r>
           </a:p>
           <a:p>
@@ -3687,15 +3663,7 @@
               <a:defRPr sz="1800"/>
             </a:pPr>
             <a:r>
-              <a:t>⭐ Understanding Exoplanet Data: https://exoplanetarchive.ipac.caltech.edu/docs/data.html</a:t>
-            </a:r>
-          </a:p>
-          <a:p>
-            <a:pPr>
-              <a:defRPr sz="1800"/>
-            </a:pPr>
-            <a:r>
-              <a:t>📚 Explore more: NASA's Exoplanet Exploration Program: exoplanets.nasa.gov</a:t>
+              <a:t>NASA Exoplanet Archive: Data Overview: https://exoplanetarchive.ipac.caltech.edu/docs/data.html</a:t>
             </a:r>
           </a:p>
         </p:txBody>
